--- a/TEAM.pptx
+++ b/TEAM.pptx
@@ -181,6 +181,9 @@
           </p14:sldIdLst>
         </p14:section>
       </p14:sectionLst>
+    </p:ext>
+    <p:ext uri="{EFAFB233-063F-42B5-8137-9DF3F51BA10A}">
+      <p15:sldGuideLst xmlns:p15="http://schemas.microsoft.com/office/powerpoint/2012/main"/>
     </p:ext>
   </p:extLst>
 </p:presentation>
@@ -6215,7 +6218,7 @@
               <a:rPr lang="en-US" dirty="0">
                 <a:latin typeface="Magneto" panose="04030805050802020D02" pitchFamily="82" charset="0"/>
               </a:rPr>
-              <a:t>210050123</a:t>
+              <a:t>210050121</a:t>
             </a:r>
             <a:endParaRPr lang="en-IN" dirty="0">
               <a:latin typeface="Magneto" panose="04030805050802020D02" pitchFamily="82" charset="0"/>
@@ -8435,15 +8438,6 @@
               <a:srgbClr val="FFFFFF"/>
             </a:contourClr>
           </a:sp3d>
-          <a:extLst>
-            <a:ext uri="{909E8E84-426E-40DD-AFC4-6F175D3DCCD1}">
-              <a14:hiddenFill xmlns:a14="http://schemas.microsoft.com/office/drawing/2010/main">
-                <a:solidFill>
-                  <a:srgbClr val="FFFFFF"/>
-                </a:solidFill>
-              </a14:hiddenFill>
-            </a:ext>
-          </a:extLst>
         </p:spPr>
       </p:pic>
     </p:spTree>
@@ -8634,15 +8628,6 @@
               <a:srgbClr val="FFFFFF"/>
             </a:contourClr>
           </a:sp3d>
-          <a:extLst>
-            <a:ext uri="{909E8E84-426E-40DD-AFC4-6F175D3DCCD1}">
-              <a14:hiddenFill xmlns:a14="http://schemas.microsoft.com/office/drawing/2010/main">
-                <a:solidFill>
-                  <a:srgbClr val="FFFFFF"/>
-                </a:solidFill>
-              </a14:hiddenFill>
-            </a:ext>
-          </a:extLst>
         </p:spPr>
       </p:pic>
     </p:spTree>
